--- a/#Section2- WebStory.pptx
+++ b/#Section2- WebStory.pptx
@@ -249,7 +249,7 @@
           <a:p>
             <a:fld id="{1BDE155E-18D0-4AA6-B5E2-4D2CDFF03099}" type="datetimeFigureOut">
               <a:rPr lang="ko-KR" altLang="en-US" smtClean="0"/>
-              <a:t>2022-12-23</a:t>
+              <a:t>2022-12-24</a:t>
             </a:fld>
             <a:endParaRPr lang="ko-KR" altLang="en-US"/>
           </a:p>
@@ -419,7 +419,7 @@
           <a:p>
             <a:fld id="{1BDE155E-18D0-4AA6-B5E2-4D2CDFF03099}" type="datetimeFigureOut">
               <a:rPr lang="ko-KR" altLang="en-US" smtClean="0"/>
-              <a:t>2022-12-23</a:t>
+              <a:t>2022-12-24</a:t>
             </a:fld>
             <a:endParaRPr lang="ko-KR" altLang="en-US"/>
           </a:p>
@@ -599,7 +599,7 @@
           <a:p>
             <a:fld id="{1BDE155E-18D0-4AA6-B5E2-4D2CDFF03099}" type="datetimeFigureOut">
               <a:rPr lang="ko-KR" altLang="en-US" smtClean="0"/>
-              <a:t>2022-12-23</a:t>
+              <a:t>2022-12-24</a:t>
             </a:fld>
             <a:endParaRPr lang="ko-KR" altLang="en-US"/>
           </a:p>
@@ -769,7 +769,7 @@
           <a:p>
             <a:fld id="{1BDE155E-18D0-4AA6-B5E2-4D2CDFF03099}" type="datetimeFigureOut">
               <a:rPr lang="ko-KR" altLang="en-US" smtClean="0"/>
-              <a:t>2022-12-23</a:t>
+              <a:t>2022-12-24</a:t>
             </a:fld>
             <a:endParaRPr lang="ko-KR" altLang="en-US"/>
           </a:p>
@@ -1015,7 +1015,7 @@
           <a:p>
             <a:fld id="{1BDE155E-18D0-4AA6-B5E2-4D2CDFF03099}" type="datetimeFigureOut">
               <a:rPr lang="ko-KR" altLang="en-US" smtClean="0"/>
-              <a:t>2022-12-23</a:t>
+              <a:t>2022-12-24</a:t>
             </a:fld>
             <a:endParaRPr lang="ko-KR" altLang="en-US"/>
           </a:p>
@@ -1247,7 +1247,7 @@
           <a:p>
             <a:fld id="{1BDE155E-18D0-4AA6-B5E2-4D2CDFF03099}" type="datetimeFigureOut">
               <a:rPr lang="ko-KR" altLang="en-US" smtClean="0"/>
-              <a:t>2022-12-23</a:t>
+              <a:t>2022-12-24</a:t>
             </a:fld>
             <a:endParaRPr lang="ko-KR" altLang="en-US"/>
           </a:p>
@@ -1614,7 +1614,7 @@
           <a:p>
             <a:fld id="{1BDE155E-18D0-4AA6-B5E2-4D2CDFF03099}" type="datetimeFigureOut">
               <a:rPr lang="ko-KR" altLang="en-US" smtClean="0"/>
-              <a:t>2022-12-23</a:t>
+              <a:t>2022-12-24</a:t>
             </a:fld>
             <a:endParaRPr lang="ko-KR" altLang="en-US"/>
           </a:p>
@@ -1732,7 +1732,7 @@
           <a:p>
             <a:fld id="{1BDE155E-18D0-4AA6-B5E2-4D2CDFF03099}" type="datetimeFigureOut">
               <a:rPr lang="ko-KR" altLang="en-US" smtClean="0"/>
-              <a:t>2022-12-23</a:t>
+              <a:t>2022-12-24</a:t>
             </a:fld>
             <a:endParaRPr lang="ko-KR" altLang="en-US"/>
           </a:p>
@@ -1827,7 +1827,7 @@
           <a:p>
             <a:fld id="{1BDE155E-18D0-4AA6-B5E2-4D2CDFF03099}" type="datetimeFigureOut">
               <a:rPr lang="ko-KR" altLang="en-US" smtClean="0"/>
-              <a:t>2022-12-23</a:t>
+              <a:t>2022-12-24</a:t>
             </a:fld>
             <a:endParaRPr lang="ko-KR" altLang="en-US"/>
           </a:p>
@@ -2104,7 +2104,7 @@
           <a:p>
             <a:fld id="{1BDE155E-18D0-4AA6-B5E2-4D2CDFF03099}" type="datetimeFigureOut">
               <a:rPr lang="ko-KR" altLang="en-US" smtClean="0"/>
-              <a:t>2022-12-23</a:t>
+              <a:t>2022-12-24</a:t>
             </a:fld>
             <a:endParaRPr lang="ko-KR" altLang="en-US"/>
           </a:p>
@@ -2357,7 +2357,7 @@
           <a:p>
             <a:fld id="{1BDE155E-18D0-4AA6-B5E2-4D2CDFF03099}" type="datetimeFigureOut">
               <a:rPr lang="ko-KR" altLang="en-US" smtClean="0"/>
-              <a:t>2022-12-23</a:t>
+              <a:t>2022-12-24</a:t>
             </a:fld>
             <a:endParaRPr lang="ko-KR" altLang="en-US"/>
           </a:p>
@@ -2570,7 +2570,7 @@
           <a:p>
             <a:fld id="{1BDE155E-18D0-4AA6-B5E2-4D2CDFF03099}" type="datetimeFigureOut">
               <a:rPr lang="ko-KR" altLang="en-US" smtClean="0"/>
-              <a:t>2022-12-23</a:t>
+              <a:t>2022-12-24</a:t>
             </a:fld>
             <a:endParaRPr lang="ko-KR" altLang="en-US"/>
           </a:p>
@@ -4490,7 +4490,6 @@
               <a:rPr lang="en-US" altLang="ko-KR" sz="1000" dirty="0" smtClean="0"/>
               <a:t>..</a:t>
             </a:r>
-            <a:endParaRPr lang="en-US" altLang="ko-KR" sz="1000" dirty="0" smtClean="0"/>
           </a:p>
           <a:p>
             <a:pPr marL="285750" indent="-285750">
@@ -7200,6 +7199,48 @@
           </a:p>
         </p:txBody>
       </p:sp>
+      <p:sp>
+        <p:nvSpPr>
+          <p:cNvPr id="2" name="순서도: 자기 디스크 1"/>
+          <p:cNvSpPr/>
+          <p:nvPr/>
+        </p:nvSpPr>
+        <p:spPr>
+          <a:xfrm>
+            <a:off x="4314538" y="3905850"/>
+            <a:ext cx="584200" cy="227161"/>
+          </a:xfrm>
+          <a:prstGeom prst="flowChartMagneticDisk">
+            <a:avLst/>
+          </a:prstGeom>
+        </p:spPr>
+        <p:style>
+          <a:lnRef idx="1">
+            <a:schemeClr val="accent6"/>
+          </a:lnRef>
+          <a:fillRef idx="2">
+            <a:schemeClr val="accent6"/>
+          </a:fillRef>
+          <a:effectRef idx="1">
+            <a:schemeClr val="accent6"/>
+          </a:effectRef>
+          <a:fontRef idx="minor">
+            <a:schemeClr val="dk1"/>
+          </a:fontRef>
+        </p:style>
+        <p:txBody>
+          <a:bodyPr rtlCol="0" anchor="ctr"/>
+          <a:lstStyle/>
+          <a:p>
+            <a:pPr algn="ctr"/>
+            <a:r>
+              <a:rPr lang="en-US" altLang="ko-KR" sz="1100" dirty="0" smtClean="0"/>
+              <a:t>DB</a:t>
+            </a:r>
+            <a:endParaRPr lang="ko-KR" altLang="en-US" sz="1100" dirty="0"/>
+          </a:p>
+        </p:txBody>
+      </p:sp>
     </p:spTree>
     <p:extLst>
       <p:ext uri="{BB962C8B-B14F-4D97-AF65-F5344CB8AC3E}">
@@ -7358,15 +7399,7 @@
             </a:r>
             <a:r>
               <a:rPr lang="ko-KR" altLang="en-US" sz="1400" dirty="0" smtClean="0"/>
-              <a:t>언어를 </a:t>
-            </a:r>
-            <a:r>
-              <a:rPr lang="ko-KR" altLang="en-US" sz="1400" smtClean="0"/>
-              <a:t>넣는 </a:t>
-            </a:r>
-            <a:r>
-              <a:rPr lang="ko-KR" altLang="en-US" sz="1400" smtClean="0"/>
-              <a:t>방식을 지원하다</a:t>
+              <a:t>언어를 넣는 방식을 지원하다</a:t>
             </a:r>
             <a:r>
               <a:rPr lang="en-US" altLang="ko-KR" sz="1400" dirty="0" smtClean="0"/>
@@ -7390,7 +7423,7 @@
               <a:t>Servlet </a:t>
             </a:r>
             <a:r>
-              <a:rPr lang="ko-KR" altLang="en-US" sz="1400" smtClean="0"/>
+              <a:rPr lang="ko-KR" altLang="en-US" sz="1400" dirty="0" smtClean="0"/>
               <a:t>에서 벗어난 개발자들이 환호하다</a:t>
             </a:r>
             <a:r>
@@ -7408,11 +7441,7 @@
             </a:pPr>
             <a:r>
               <a:rPr lang="ko-KR" altLang="en-US" sz="1400" b="1" dirty="0" smtClean="0"/>
-              <a:t>시간이 </a:t>
-            </a:r>
-            <a:r>
-              <a:rPr lang="ko-KR" altLang="en-US" sz="1400" b="1" dirty="0" smtClean="0"/>
-              <a:t>지날 수록 </a:t>
+              <a:t>시간이 지날 수록 </a:t>
             </a:r>
             <a:r>
               <a:rPr lang="en-US" altLang="ko-KR" sz="1400" b="1" dirty="0" smtClean="0"/>
@@ -8561,6 +8590,148 @@
                 <a:schemeClr val="tx1"/>
               </a:solidFill>
             </a:endParaRPr>
+          </a:p>
+        </p:txBody>
+      </p:sp>
+      <p:pic>
+        <p:nvPicPr>
+          <p:cNvPr id="2" name="그림 1"/>
+          <p:cNvPicPr>
+            <a:picLocks noChangeAspect="1"/>
+          </p:cNvPicPr>
+          <p:nvPr/>
+        </p:nvPicPr>
+        <p:blipFill>
+          <a:blip r:embed="rId2"/>
+          <a:stretch>
+            <a:fillRect/>
+          </a:stretch>
+        </p:blipFill>
+        <p:spPr>
+          <a:xfrm>
+            <a:off x="5769568" y="3991711"/>
+            <a:ext cx="370396" cy="206321"/>
+          </a:xfrm>
+          <a:prstGeom prst="rect">
+            <a:avLst/>
+          </a:prstGeom>
+        </p:spPr>
+      </p:pic>
+      <p:pic>
+        <p:nvPicPr>
+          <p:cNvPr id="4" name="그림 3"/>
+          <p:cNvPicPr>
+            <a:picLocks noChangeAspect="1"/>
+          </p:cNvPicPr>
+          <p:nvPr/>
+        </p:nvPicPr>
+        <p:blipFill>
+          <a:blip r:embed="rId3"/>
+          <a:stretch>
+            <a:fillRect/>
+          </a:stretch>
+        </p:blipFill>
+        <p:spPr>
+          <a:xfrm>
+            <a:off x="5184521" y="3991711"/>
+            <a:ext cx="528418" cy="136869"/>
+          </a:xfrm>
+          <a:prstGeom prst="rect">
+            <a:avLst/>
+          </a:prstGeom>
+          <a:ln>
+            <a:noFill/>
+          </a:ln>
+          <a:effectLst>
+            <a:outerShdw blurRad="292100" dist="139700" dir="2700000" algn="tl" rotWithShape="0">
+              <a:srgbClr val="333333">
+                <a:alpha val="65000"/>
+              </a:srgbClr>
+            </a:outerShdw>
+          </a:effectLst>
+        </p:spPr>
+      </p:pic>
+      <p:sp>
+        <p:nvSpPr>
+          <p:cNvPr id="30" name="순서도: 자기 디스크 29"/>
+          <p:cNvSpPr/>
+          <p:nvPr/>
+        </p:nvSpPr>
+        <p:spPr>
+          <a:xfrm>
+            <a:off x="4314538" y="3905850"/>
+            <a:ext cx="584200" cy="227161"/>
+          </a:xfrm>
+          <a:prstGeom prst="flowChartMagneticDisk">
+            <a:avLst/>
+          </a:prstGeom>
+        </p:spPr>
+        <p:style>
+          <a:lnRef idx="1">
+            <a:schemeClr val="accent6"/>
+          </a:lnRef>
+          <a:fillRef idx="2">
+            <a:schemeClr val="accent6"/>
+          </a:fillRef>
+          <a:effectRef idx="1">
+            <a:schemeClr val="accent6"/>
+          </a:effectRef>
+          <a:fontRef idx="minor">
+            <a:schemeClr val="dk1"/>
+          </a:fontRef>
+        </p:style>
+        <p:txBody>
+          <a:bodyPr rtlCol="0" anchor="ctr"/>
+          <a:lstStyle/>
+          <a:p>
+            <a:pPr algn="ctr"/>
+            <a:r>
+              <a:rPr lang="en-US" altLang="ko-KR" sz="1100" dirty="0" smtClean="0"/>
+              <a:t>DB</a:t>
+            </a:r>
+            <a:endParaRPr lang="ko-KR" altLang="en-US" sz="1100" dirty="0"/>
+          </a:p>
+        </p:txBody>
+      </p:sp>
+      <p:sp>
+        <p:nvSpPr>
+          <p:cNvPr id="31" name="순서도: 자기 디스크 30"/>
+          <p:cNvSpPr/>
+          <p:nvPr/>
+        </p:nvSpPr>
+        <p:spPr>
+          <a:xfrm>
+            <a:off x="6383698" y="3954692"/>
+            <a:ext cx="584200" cy="227161"/>
+          </a:xfrm>
+          <a:prstGeom prst="flowChartMagneticDisk">
+            <a:avLst/>
+          </a:prstGeom>
+        </p:spPr>
+        <p:style>
+          <a:lnRef idx="1">
+            <a:schemeClr val="accent6"/>
+          </a:lnRef>
+          <a:fillRef idx="2">
+            <a:schemeClr val="accent6"/>
+          </a:fillRef>
+          <a:effectRef idx="1">
+            <a:schemeClr val="accent6"/>
+          </a:effectRef>
+          <a:fontRef idx="minor">
+            <a:schemeClr val="dk1"/>
+          </a:fontRef>
+        </p:style>
+        <p:txBody>
+          <a:bodyPr rtlCol="0" anchor="ctr"/>
+          <a:lstStyle/>
+          <a:p>
+            <a:pPr algn="ctr"/>
+            <a:r>
+              <a:rPr lang="en-US" altLang="ko-KR" sz="1100" dirty="0" smtClean="0"/>
+              <a:t>DB</a:t>
+            </a:r>
+            <a:endParaRPr lang="ko-KR" altLang="en-US" sz="1100" dirty="0"/>
           </a:p>
         </p:txBody>
       </p:sp>
@@ -9913,6 +10084,132 @@
           </a:p>
         </p:txBody>
       </p:sp>
+      <p:sp>
+        <p:nvSpPr>
+          <p:cNvPr id="28" name="순서도: 자기 디스크 27"/>
+          <p:cNvSpPr/>
+          <p:nvPr/>
+        </p:nvSpPr>
+        <p:spPr>
+          <a:xfrm>
+            <a:off x="4314538" y="3905850"/>
+            <a:ext cx="584200" cy="227161"/>
+          </a:xfrm>
+          <a:prstGeom prst="flowChartMagneticDisk">
+            <a:avLst/>
+          </a:prstGeom>
+        </p:spPr>
+        <p:style>
+          <a:lnRef idx="1">
+            <a:schemeClr val="accent6"/>
+          </a:lnRef>
+          <a:fillRef idx="2">
+            <a:schemeClr val="accent6"/>
+          </a:fillRef>
+          <a:effectRef idx="1">
+            <a:schemeClr val="accent6"/>
+          </a:effectRef>
+          <a:fontRef idx="minor">
+            <a:schemeClr val="dk1"/>
+          </a:fontRef>
+        </p:style>
+        <p:txBody>
+          <a:bodyPr rtlCol="0" anchor="ctr"/>
+          <a:lstStyle/>
+          <a:p>
+            <a:pPr algn="ctr"/>
+            <a:r>
+              <a:rPr lang="en-US" altLang="ko-KR" sz="1100" dirty="0" smtClean="0"/>
+              <a:t>DB</a:t>
+            </a:r>
+            <a:endParaRPr lang="ko-KR" altLang="en-US" sz="1100" dirty="0"/>
+          </a:p>
+        </p:txBody>
+      </p:sp>
+      <p:sp>
+        <p:nvSpPr>
+          <p:cNvPr id="29" name="순서도: 자기 디스크 28"/>
+          <p:cNvSpPr/>
+          <p:nvPr/>
+        </p:nvSpPr>
+        <p:spPr>
+          <a:xfrm>
+            <a:off x="6366646" y="3905849"/>
+            <a:ext cx="584200" cy="227161"/>
+          </a:xfrm>
+          <a:prstGeom prst="flowChartMagneticDisk">
+            <a:avLst/>
+          </a:prstGeom>
+        </p:spPr>
+        <p:style>
+          <a:lnRef idx="1">
+            <a:schemeClr val="accent6"/>
+          </a:lnRef>
+          <a:fillRef idx="2">
+            <a:schemeClr val="accent6"/>
+          </a:fillRef>
+          <a:effectRef idx="1">
+            <a:schemeClr val="accent6"/>
+          </a:effectRef>
+          <a:fontRef idx="minor">
+            <a:schemeClr val="dk1"/>
+          </a:fontRef>
+        </p:style>
+        <p:txBody>
+          <a:bodyPr rtlCol="0" anchor="ctr"/>
+          <a:lstStyle/>
+          <a:p>
+            <a:pPr algn="ctr"/>
+            <a:r>
+              <a:rPr lang="en-US" altLang="ko-KR" sz="1100" dirty="0" smtClean="0"/>
+              <a:t>DB</a:t>
+            </a:r>
+            <a:endParaRPr lang="ko-KR" altLang="en-US" sz="1100" dirty="0"/>
+          </a:p>
+        </p:txBody>
+      </p:sp>
+      <p:sp>
+        <p:nvSpPr>
+          <p:cNvPr id="30" name="순서도: 자기 디스크 29"/>
+          <p:cNvSpPr/>
+          <p:nvPr/>
+        </p:nvSpPr>
+        <p:spPr>
+          <a:xfrm>
+            <a:off x="8474499" y="3905849"/>
+            <a:ext cx="584200" cy="227161"/>
+          </a:xfrm>
+          <a:prstGeom prst="flowChartMagneticDisk">
+            <a:avLst/>
+          </a:prstGeom>
+        </p:spPr>
+        <p:style>
+          <a:lnRef idx="1">
+            <a:schemeClr val="accent6"/>
+          </a:lnRef>
+          <a:fillRef idx="2">
+            <a:schemeClr val="accent6"/>
+          </a:fillRef>
+          <a:effectRef idx="1">
+            <a:schemeClr val="accent6"/>
+          </a:effectRef>
+          <a:fontRef idx="minor">
+            <a:schemeClr val="dk1"/>
+          </a:fontRef>
+        </p:style>
+        <p:txBody>
+          <a:bodyPr rtlCol="0" anchor="ctr"/>
+          <a:lstStyle/>
+          <a:p>
+            <a:pPr algn="ctr"/>
+            <a:r>
+              <a:rPr lang="en-US" altLang="ko-KR" sz="1100" dirty="0" smtClean="0"/>
+              <a:t>DB</a:t>
+            </a:r>
+            <a:endParaRPr lang="ko-KR" altLang="en-US" sz="1100" dirty="0"/>
+          </a:p>
+        </p:txBody>
+      </p:sp>
     </p:spTree>
     <p:extLst>
       <p:ext uri="{BB962C8B-B14F-4D97-AF65-F5344CB8AC3E}">
@@ -10055,17 +10352,12 @@
             </a:r>
             <a:r>
               <a:rPr lang="ko-KR" altLang="en-US" sz="1400"/>
-              <a:t>이 개발자들에게 봄을 선사하기 위해 </a:t>
-            </a:r>
-            <a:r>
-              <a:rPr lang="ko-KR" altLang="en-US" sz="1400"/>
-              <a:t>나타나다</a:t>
+              <a:t>이 개발자들에게 봄을 선사하기 위해 나타나다</a:t>
             </a:r>
             <a:r>
               <a:rPr lang="en-US" altLang="ko-KR" sz="1400" dirty="0" smtClean="0"/>
               <a:t>.</a:t>
             </a:r>
-            <a:endParaRPr lang="en-US" altLang="ko-KR" sz="1400" dirty="0" smtClean="0"/>
           </a:p>
           <a:p>
             <a:pPr marL="285750" indent="-285750">
@@ -10159,11 +10451,7 @@
             </a:r>
             <a:r>
               <a:rPr lang="ko-KR" altLang="en-US" sz="1400" b="1" smtClean="0"/>
-              <a:t>걸로 </a:t>
-            </a:r>
-            <a:r>
-              <a:rPr lang="ko-KR" altLang="en-US" sz="1400" b="1" smtClean="0"/>
-              <a:t>기대했지만</a:t>
+              <a:t>걸로 기대했지만</a:t>
             </a:r>
             <a:r>
               <a:rPr lang="en-US" altLang="ko-KR" sz="1400" b="1" dirty="0"/>
@@ -11323,6 +11611,174 @@
                 <a:schemeClr val="tx1"/>
               </a:solidFill>
             </a:endParaRPr>
+          </a:p>
+        </p:txBody>
+      </p:sp>
+      <p:sp>
+        <p:nvSpPr>
+          <p:cNvPr id="29" name="순서도: 자기 디스크 28"/>
+          <p:cNvSpPr/>
+          <p:nvPr/>
+        </p:nvSpPr>
+        <p:spPr>
+          <a:xfrm>
+            <a:off x="8474499" y="3905849"/>
+            <a:ext cx="584200" cy="227161"/>
+          </a:xfrm>
+          <a:prstGeom prst="flowChartMagneticDisk">
+            <a:avLst/>
+          </a:prstGeom>
+        </p:spPr>
+        <p:style>
+          <a:lnRef idx="1">
+            <a:schemeClr val="accent6"/>
+          </a:lnRef>
+          <a:fillRef idx="2">
+            <a:schemeClr val="accent6"/>
+          </a:fillRef>
+          <a:effectRef idx="1">
+            <a:schemeClr val="accent6"/>
+          </a:effectRef>
+          <a:fontRef idx="minor">
+            <a:schemeClr val="dk1"/>
+          </a:fontRef>
+        </p:style>
+        <p:txBody>
+          <a:bodyPr rtlCol="0" anchor="ctr"/>
+          <a:lstStyle/>
+          <a:p>
+            <a:pPr algn="ctr"/>
+            <a:r>
+              <a:rPr lang="en-US" altLang="ko-KR" sz="1100" dirty="0" smtClean="0"/>
+              <a:t>DB</a:t>
+            </a:r>
+            <a:endParaRPr lang="ko-KR" altLang="en-US" sz="1100" dirty="0"/>
+          </a:p>
+        </p:txBody>
+      </p:sp>
+      <p:sp>
+        <p:nvSpPr>
+          <p:cNvPr id="30" name="순서도: 자기 디스크 29"/>
+          <p:cNvSpPr/>
+          <p:nvPr/>
+        </p:nvSpPr>
+        <p:spPr>
+          <a:xfrm>
+            <a:off x="10594613" y="3888932"/>
+            <a:ext cx="584200" cy="227161"/>
+          </a:xfrm>
+          <a:prstGeom prst="flowChartMagneticDisk">
+            <a:avLst/>
+          </a:prstGeom>
+        </p:spPr>
+        <p:style>
+          <a:lnRef idx="1">
+            <a:schemeClr val="accent6"/>
+          </a:lnRef>
+          <a:fillRef idx="2">
+            <a:schemeClr val="accent6"/>
+          </a:fillRef>
+          <a:effectRef idx="1">
+            <a:schemeClr val="accent6"/>
+          </a:effectRef>
+          <a:fontRef idx="minor">
+            <a:schemeClr val="dk1"/>
+          </a:fontRef>
+        </p:style>
+        <p:txBody>
+          <a:bodyPr rtlCol="0" anchor="ctr"/>
+          <a:lstStyle/>
+          <a:p>
+            <a:pPr algn="ctr"/>
+            <a:r>
+              <a:rPr lang="en-US" altLang="ko-KR" sz="1100" dirty="0" smtClean="0"/>
+              <a:t>DB</a:t>
+            </a:r>
+            <a:endParaRPr lang="ko-KR" altLang="en-US" sz="1100" dirty="0"/>
+          </a:p>
+        </p:txBody>
+      </p:sp>
+      <p:sp>
+        <p:nvSpPr>
+          <p:cNvPr id="31" name="순서도: 자기 디스크 30"/>
+          <p:cNvSpPr/>
+          <p:nvPr/>
+        </p:nvSpPr>
+        <p:spPr>
+          <a:xfrm>
+            <a:off x="6343713" y="3924316"/>
+            <a:ext cx="584200" cy="227161"/>
+          </a:xfrm>
+          <a:prstGeom prst="flowChartMagneticDisk">
+            <a:avLst/>
+          </a:prstGeom>
+        </p:spPr>
+        <p:style>
+          <a:lnRef idx="1">
+            <a:schemeClr val="accent6"/>
+          </a:lnRef>
+          <a:fillRef idx="2">
+            <a:schemeClr val="accent6"/>
+          </a:fillRef>
+          <a:effectRef idx="1">
+            <a:schemeClr val="accent6"/>
+          </a:effectRef>
+          <a:fontRef idx="minor">
+            <a:schemeClr val="dk1"/>
+          </a:fontRef>
+        </p:style>
+        <p:txBody>
+          <a:bodyPr rtlCol="0" anchor="ctr"/>
+          <a:lstStyle/>
+          <a:p>
+            <a:pPr algn="ctr"/>
+            <a:r>
+              <a:rPr lang="en-US" altLang="ko-KR" sz="1100" dirty="0" smtClean="0"/>
+              <a:t>DB</a:t>
+            </a:r>
+            <a:endParaRPr lang="ko-KR" altLang="en-US" sz="1100" dirty="0"/>
+          </a:p>
+        </p:txBody>
+      </p:sp>
+      <p:sp>
+        <p:nvSpPr>
+          <p:cNvPr id="32" name="순서도: 자기 디스크 31"/>
+          <p:cNvSpPr/>
+          <p:nvPr/>
+        </p:nvSpPr>
+        <p:spPr>
+          <a:xfrm>
+            <a:off x="4223599" y="3939991"/>
+            <a:ext cx="584200" cy="227161"/>
+          </a:xfrm>
+          <a:prstGeom prst="flowChartMagneticDisk">
+            <a:avLst/>
+          </a:prstGeom>
+        </p:spPr>
+        <p:style>
+          <a:lnRef idx="1">
+            <a:schemeClr val="accent6"/>
+          </a:lnRef>
+          <a:fillRef idx="2">
+            <a:schemeClr val="accent6"/>
+          </a:fillRef>
+          <a:effectRef idx="1">
+            <a:schemeClr val="accent6"/>
+          </a:effectRef>
+          <a:fontRef idx="minor">
+            <a:schemeClr val="dk1"/>
+          </a:fontRef>
+        </p:style>
+        <p:txBody>
+          <a:bodyPr rtlCol="0" anchor="ctr"/>
+          <a:lstStyle/>
+          <a:p>
+            <a:pPr algn="ctr"/>
+            <a:r>
+              <a:rPr lang="en-US" altLang="ko-KR" sz="1100" dirty="0" smtClean="0"/>
+              <a:t>DB</a:t>
+            </a:r>
+            <a:endParaRPr lang="ko-KR" altLang="en-US" sz="1100" dirty="0"/>
           </a:p>
         </p:txBody>
       </p:sp>
@@ -11508,16 +11964,7 @@
                 </a:solidFill>
                 <a:latin typeface="+mn-ea"/>
               </a:rPr>
-              <a:t>가면 </a:t>
-            </a:r>
-            <a:r>
-              <a:rPr lang="ko-KR" altLang="en-US" sz="1600" b="1" dirty="0" smtClean="0">
-                <a:solidFill>
-                  <a:srgbClr val="0070C0"/>
-                </a:solidFill>
-                <a:latin typeface="+mn-ea"/>
-              </a:rPr>
-              <a:t>갈수록 복잡해 지는 개발 환경</a:t>
+              <a:t>가면 갈수록 복잡해 지는 개발 환경</a:t>
             </a:r>
             <a:r>
               <a:rPr lang="en-US" altLang="ko-KR" sz="1600" b="1" dirty="0" smtClean="0">
@@ -11633,11 +12080,6 @@
               </a:rPr>
               <a:t>(oracle, maria, </a:t>
             </a:r>
-            <a:endParaRPr lang="en-US" altLang="ko-KR" sz="1050" b="1" dirty="0" smtClean="0">
-              <a:solidFill>
-                <a:schemeClr val="bg1"/>
-              </a:solidFill>
-            </a:endParaRPr>
           </a:p>
           <a:p>
             <a:pPr algn="ctr"/>
@@ -11647,15 +12089,7 @@
                   <a:schemeClr val="bg1"/>
                 </a:solidFill>
               </a:rPr>
-              <a:t>ms-sql</a:t>
-            </a:r>
-            <a:r>
-              <a:rPr lang="en-US" altLang="ko-KR" sz="1050" b="1" dirty="0" smtClean="0">
-                <a:solidFill>
-                  <a:schemeClr val="bg1"/>
-                </a:solidFill>
-              </a:rPr>
-              <a:t>, mysql..)</a:t>
+              <a:t>ms-sql, mysql..)</a:t>
             </a:r>
             <a:endParaRPr lang="ko-KR" altLang="en-US" sz="1050" b="1" dirty="0">
               <a:solidFill>
